--- a/Slides/Lesson 0.3 Academic Honesty.pptx
+++ b/Slides/Lesson 0.3 Academic Honesty.pptx
@@ -10916,19 +10916,7 @@
                 <a:cs typeface="Calibri"/>
                 <a:sym typeface="Calibri"/>
               </a:rPr>
-              <a:t>CS 5010 Program Design Paradigms “Bootcamp</a:t>
-            </a:r>
-            <a:r>
-              <a:rPr lang="en" sz="3200" b="0" i="0" u="none" strike="noStrike" cap="none" baseline="0" dirty="0" smtClean="0">
-                <a:solidFill>
-                  <a:srgbClr val="888888"/>
-                </a:solidFill>
-                <a:latin typeface="Calibri"/>
-                <a:ea typeface="Calibri"/>
-                <a:cs typeface="Calibri"/>
-                <a:sym typeface="Calibri"/>
-              </a:rPr>
-              <a:t>”</a:t>
+              <a:t>CS 5010 Program Design Paradigms “Bootcamp”</a:t>
             </a:r>
           </a:p>
           <a:p>
@@ -10944,7 +10932,7 @@
               <a:buNone/>
             </a:pPr>
             <a:r>
-              <a:rPr lang="en" dirty="0" smtClean="0"/>
+              <a:rPr lang="en" dirty="0"/>
               <a:t>Lesson 0.3</a:t>
             </a:r>
             <a:endParaRPr lang="en" sz="3200" b="0" i="0" u="none" strike="noStrike" cap="none" baseline="0" dirty="0">
@@ -12240,7 +12228,7 @@
               <a:buChar char="●"/>
             </a:pPr>
             <a:r>
-              <a:rPr lang="en" sz="2400">
+              <a:rPr lang="en" sz="2400" dirty="0">
                 <a:solidFill>
                   <a:srgbClr val="000000"/>
                 </a:solidFill>
@@ -12258,7 +12246,7 @@
               <a:buChar char="●"/>
             </a:pPr>
             <a:r>
-              <a:rPr lang="en" sz="2400">
+              <a:rPr lang="en" sz="2400" dirty="0">
                 <a:solidFill>
                   <a:srgbClr val="000000"/>
                 </a:solidFill>
@@ -12276,12 +12264,12 @@
               <a:buChar char="○"/>
             </a:pPr>
             <a:r>
-              <a:rPr lang="en" sz="2400">
+              <a:rPr lang="en" sz="2400" dirty="0">
                 <a:solidFill>
                   <a:srgbClr val="000000"/>
                 </a:solidFill>
               </a:rPr>
-              <a:t> It only takes a minute for your roommate, or for the person sitting next to you in the hallway, to stick a USB drive in your machine and steal your work. </a:t>
+              <a:t>Keep your machine locked! It only takes a minute for your roommate, or for the person sitting next to you in the hallway, to stick a USB drive in your machine and steal your work. </a:t>
             </a:r>
           </a:p>
           <a:p>
@@ -12294,7 +12282,7 @@
               <a:buChar char="●"/>
             </a:pPr>
             <a:r>
-              <a:rPr lang="en" sz="2400" b="1">
+              <a:rPr lang="en" sz="2400" b="1" dirty="0">
                 <a:solidFill>
                   <a:srgbClr val="000000"/>
                 </a:solidFill>
@@ -12312,7 +12300,7 @@
               <a:buChar char="○"/>
             </a:pPr>
             <a:r>
-              <a:rPr lang="en" sz="2400">
+              <a:rPr lang="en" sz="2400" dirty="0">
                 <a:solidFill>
                   <a:srgbClr val="000000"/>
                 </a:solidFill>
@@ -13073,11 +13061,11 @@
               <a:buChar char="●"/>
             </a:pPr>
             <a:r>
-              <a:rPr lang="en" sz="3000"/>
+              <a:rPr lang="en" sz="3000" dirty="0"/>
               <a:t>All violations of the University academic integrity policy </a:t>
             </a:r>
             <a:r>
-              <a:rPr lang="en" sz="3000">
+              <a:rPr lang="en" sz="3000" dirty="0">
                 <a:solidFill>
                   <a:srgbClr val="FF0000"/>
                 </a:solidFill>
@@ -13085,7 +13073,7 @@
               <a:t>must</a:t>
             </a:r>
             <a:r>
-              <a:rPr lang="en" sz="3000"/>
+              <a:rPr lang="en" sz="3000" dirty="0"/>
               <a:t> be reported to OSCCR.</a:t>
             </a:r>
           </a:p>
@@ -13099,11 +13087,11 @@
               <a:buChar char="○"/>
             </a:pPr>
             <a:r>
-              <a:rPr lang="en" sz="3000"/>
+              <a:rPr lang="en" sz="3000" dirty="0"/>
               <a:t>OSCCR = </a:t>
             </a:r>
             <a:r>
-              <a:rPr lang="en" sz="3000" u="sng">
+              <a:rPr lang="en" sz="3000" u="sng" dirty="0">
                 <a:solidFill>
                   <a:schemeClr val="hlink"/>
                 </a:solidFill>
@@ -13112,7 +13100,7 @@
               <a:t>Office of Student Conduct and Conflict Resolution</a:t>
             </a:r>
             <a:r>
-              <a:rPr lang="en" sz="3000"/>
+              <a:rPr lang="en" sz="3000" dirty="0"/>
               <a:t>.</a:t>
             </a:r>
           </a:p>
@@ -13126,7 +13114,7 @@
               <a:buChar char="●"/>
             </a:pPr>
             <a:r>
-              <a:rPr lang="en" sz="3000"/>
+              <a:rPr lang="en" sz="3000" dirty="0"/>
               <a:t>Students who cheat often do so in multiple courses.  By reporting all violations to OSCCR, we guarantee that such students are suitably punished.</a:t>
             </a:r>
           </a:p>
@@ -13654,7 +13642,7 @@
               <a:buNone/>
             </a:pPr>
             <a:r>
-              <a:rPr lang="en"/>
+              <a:rPr lang="en" dirty="0"/>
               <a:t>Typical scenarios (1)</a:t>
             </a:r>
           </a:p>
@@ -13685,10 +13673,7 @@
           </a:bodyPr>
           <a:lstStyle/>
           <a:p>
-            <a:pPr marL="457200" lvl="0" indent="-381000" rtl="0">
-              <a:lnSpc>
-                <a:spcPct val="100000"/>
-              </a:lnSpc>
+            <a:pPr marL="457200" lvl="0" indent="-381000">
               <a:spcBef>
                 <a:spcPts val="1000"/>
               </a:spcBef>
@@ -13703,7 +13688,7 @@
               <a:buChar char="●"/>
             </a:pPr>
             <a:r>
-              <a:rPr lang="en" sz="2400">
+              <a:rPr lang="en" sz="2200" dirty="0">
                 <a:solidFill>
                   <a:srgbClr val="000000"/>
                 </a:solidFill>
@@ -13712,10 +13697,7 @@
             </a:r>
           </a:p>
           <a:p>
-            <a:pPr marL="457200" lvl="0" indent="-381000" rtl="0">
-              <a:lnSpc>
-                <a:spcPct val="100000"/>
-              </a:lnSpc>
+            <a:pPr marL="457200" lvl="0" indent="-381000">
               <a:spcBef>
                 <a:spcPts val="1000"/>
               </a:spcBef>
@@ -13726,11 +13708,9 @@
                 <a:srgbClr val="000000"/>
               </a:buClr>
               <a:buSzPct val="166666"/>
-              <a:buFont typeface="Arial"/>
-              <a:buChar char="•"/>
             </a:pPr>
             <a:r>
-              <a:rPr lang="en" sz="2400">
+              <a:rPr lang="en" sz="2200" dirty="0">
                 <a:solidFill>
                   <a:srgbClr val="000000"/>
                 </a:solidFill>
@@ -13739,10 +13719,7 @@
             </a:r>
           </a:p>
           <a:p>
-            <a:pPr marL="457200" lvl="0" indent="-381000" rtl="0">
-              <a:lnSpc>
-                <a:spcPct val="100000"/>
-              </a:lnSpc>
+            <a:pPr marL="457200" lvl="0" indent="-381000">
               <a:spcBef>
                 <a:spcPts val="1000"/>
               </a:spcBef>
@@ -13753,11 +13730,9 @@
                 <a:srgbClr val="000000"/>
               </a:buClr>
               <a:buSzPct val="166666"/>
-              <a:buFont typeface="Arial"/>
-              <a:buChar char="•"/>
             </a:pPr>
             <a:r>
-              <a:rPr lang="en" sz="2400">
+              <a:rPr lang="en" sz="2200" dirty="0">
                 <a:solidFill>
                   <a:srgbClr val="000000"/>
                 </a:solidFill>
@@ -13765,7 +13740,7 @@
               <a:t>Tell him that the University policy requires that you tell him "no." If you give him or her your files, you </a:t>
             </a:r>
             <a:r>
-              <a:rPr lang="en" sz="2400" i="1">
+              <a:rPr lang="en" sz="2200" i="1" dirty="0">
                 <a:solidFill>
                   <a:srgbClr val="000000"/>
                 </a:solidFill>
@@ -13773,7 +13748,7 @@
               <a:t>will</a:t>
             </a:r>
             <a:r>
-              <a:rPr lang="en" sz="2400">
+              <a:rPr lang="en" sz="2200" dirty="0">
                 <a:solidFill>
                   <a:srgbClr val="000000"/>
                 </a:solidFill>
@@ -13782,14 +13757,53 @@
             </a:r>
           </a:p>
           <a:p>
-            <a:endParaRPr lang="en" sz="2400">
+            <a:pPr marL="457200" indent="-381000">
+              <a:spcBef>
+                <a:spcPts val="1000"/>
+              </a:spcBef>
+              <a:spcAft>
+                <a:spcPts val="1000"/>
+              </a:spcAft>
+              <a:buClr>
+                <a:srgbClr val="000000"/>
+              </a:buClr>
+              <a:buSzPct val="166666"/>
+            </a:pPr>
+            <a:r>
+              <a:rPr lang="en-US" sz="2200" dirty="0">
+                <a:solidFill>
+                  <a:srgbClr val="000000"/>
+                </a:solidFill>
+              </a:rPr>
+              <a:t>I know this may be different from the way things were in your home country, but this is the USA, and we do things differently here:  we believe that each person rises or falls on his or her own efforts.</a:t>
+            </a:r>
+            <a:endParaRPr lang="en" sz="2200" dirty="0">
               <a:solidFill>
                 <a:srgbClr val="000000"/>
               </a:solidFill>
             </a:endParaRPr>
           </a:p>
           <a:p>
-            <a:endParaRPr lang="en" sz="2400">
+            <a:pPr marL="419100" indent="-342900">
+              <a:spcBef>
+                <a:spcPts val="1000"/>
+              </a:spcBef>
+              <a:spcAft>
+                <a:spcPts val="1000"/>
+              </a:spcAft>
+              <a:buClr>
+                <a:srgbClr val="000000"/>
+              </a:buClr>
+              <a:buSzPct val="166666"/>
+            </a:pPr>
+            <a:endParaRPr lang="en" sz="2000" dirty="0">
+              <a:solidFill>
+                <a:srgbClr val="000000"/>
+              </a:solidFill>
+            </a:endParaRPr>
+          </a:p>
+          <a:p>
+            <a:endParaRPr lang="en" sz="2000" dirty="0">
               <a:solidFill>
                 <a:srgbClr val="000000"/>
               </a:solidFill>
@@ -13805,341 +13819,6 @@
   <p:transition spd="slow">
     <p:cut/>
   </p:transition>
-  <p:timing>
-    <p:tnLst>
-      <p:par>
-        <p:cTn id="1" dur="indefinite" restart="never" nodeType="tmRoot">
-          <p:childTnLst>
-            <p:seq concurrent="1" nextAc="seek">
-              <p:cTn id="2" dur="indefinite" nodeType="mainSeq">
-                <p:childTnLst>
-                  <p:par>
-                    <p:cTn id="3" fill="hold">
-                      <p:stCondLst>
-                        <p:cond delay="indefinite"/>
-                      </p:stCondLst>
-                      <p:childTnLst>
-                        <p:par>
-                          <p:cTn id="4" fill="hold">
-                            <p:stCondLst>
-                              <p:cond delay="0"/>
-                            </p:stCondLst>
-                            <p:childTnLst>
-                              <p:par>
-                                <p:cTn id="5" presetID="10" presetClass="entr" presetSubtype="0" fill="hold" nodeType="clickEffect">
-                                  <p:stCondLst>
-                                    <p:cond delay="0"/>
-                                  </p:stCondLst>
-                                  <p:childTnLst>
-                                    <p:set>
-                                      <p:cBhvr>
-                                        <p:cTn id="6" dur="1" fill="hold">
-                                          <p:stCondLst>
-                                            <p:cond delay="0"/>
-                                          </p:stCondLst>
-                                        </p:cTn>
-                                        <p:tgtEl>
-                                          <p:spTgt spid="152">
-                                            <p:txEl>
-                                              <p:pRg st="0" end="0"/>
-                                            </p:txEl>
-                                          </p:spTgt>
-                                        </p:tgtEl>
-                                        <p:attrNameLst>
-                                          <p:attrName>style.visibility</p:attrName>
-                                        </p:attrNameLst>
-                                      </p:cBhvr>
-                                      <p:to>
-                                        <p:strVal val="visible"/>
-                                      </p:to>
-                                    </p:set>
-                                    <p:animEffect transition="in" filter="fade">
-                                      <p:cBhvr>
-                                        <p:cTn id="7" dur="1000"/>
-                                        <p:tgtEl>
-                                          <p:spTgt spid="152">
-                                            <p:txEl>
-                                              <p:pRg st="0" end="0"/>
-                                            </p:txEl>
-                                          </p:spTgt>
-                                        </p:tgtEl>
-                                      </p:cBhvr>
-                                    </p:animEffect>
-                                  </p:childTnLst>
-                                </p:cTn>
-                              </p:par>
-                            </p:childTnLst>
-                          </p:cTn>
-                        </p:par>
-                      </p:childTnLst>
-                    </p:cTn>
-                  </p:par>
-                  <p:par>
-                    <p:cTn id="8" fill="hold">
-                      <p:stCondLst>
-                        <p:cond delay="indefinite"/>
-                      </p:stCondLst>
-                      <p:childTnLst>
-                        <p:par>
-                          <p:cTn id="9" fill="hold">
-                            <p:stCondLst>
-                              <p:cond delay="0"/>
-                            </p:stCondLst>
-                            <p:childTnLst>
-                              <p:par>
-                                <p:cTn id="10" presetID="10" presetClass="entr" presetSubtype="0" fill="hold" nodeType="clickEffect">
-                                  <p:stCondLst>
-                                    <p:cond delay="0"/>
-                                  </p:stCondLst>
-                                  <p:childTnLst>
-                                    <p:set>
-                                      <p:cBhvr>
-                                        <p:cTn id="11" dur="1" fill="hold">
-                                          <p:stCondLst>
-                                            <p:cond delay="0"/>
-                                          </p:stCondLst>
-                                        </p:cTn>
-                                        <p:tgtEl>
-                                          <p:spTgt spid="152">
-                                            <p:txEl>
-                                              <p:pRg st="1" end="1"/>
-                                            </p:txEl>
-                                          </p:spTgt>
-                                        </p:tgtEl>
-                                        <p:attrNameLst>
-                                          <p:attrName>style.visibility</p:attrName>
-                                        </p:attrNameLst>
-                                      </p:cBhvr>
-                                      <p:to>
-                                        <p:strVal val="visible"/>
-                                      </p:to>
-                                    </p:set>
-                                    <p:animEffect transition="in" filter="fade">
-                                      <p:cBhvr>
-                                        <p:cTn id="12" dur="1000"/>
-                                        <p:tgtEl>
-                                          <p:spTgt spid="152">
-                                            <p:txEl>
-                                              <p:pRg st="1" end="1"/>
-                                            </p:txEl>
-                                          </p:spTgt>
-                                        </p:tgtEl>
-                                      </p:cBhvr>
-                                    </p:animEffect>
-                                  </p:childTnLst>
-                                </p:cTn>
-                              </p:par>
-                            </p:childTnLst>
-                          </p:cTn>
-                        </p:par>
-                      </p:childTnLst>
-                    </p:cTn>
-                  </p:par>
-                  <p:par>
-                    <p:cTn id="13" fill="hold">
-                      <p:stCondLst>
-                        <p:cond delay="indefinite"/>
-                      </p:stCondLst>
-                      <p:childTnLst>
-                        <p:par>
-                          <p:cTn id="14" fill="hold">
-                            <p:stCondLst>
-                              <p:cond delay="0"/>
-                            </p:stCondLst>
-                            <p:childTnLst>
-                              <p:par>
-                                <p:cTn id="15" presetID="10" presetClass="entr" presetSubtype="0" fill="hold" nodeType="clickEffect">
-                                  <p:stCondLst>
-                                    <p:cond delay="0"/>
-                                  </p:stCondLst>
-                                  <p:childTnLst>
-                                    <p:set>
-                                      <p:cBhvr>
-                                        <p:cTn id="16" dur="1" fill="hold">
-                                          <p:stCondLst>
-                                            <p:cond delay="0"/>
-                                          </p:stCondLst>
-                                        </p:cTn>
-                                        <p:tgtEl>
-                                          <p:spTgt spid="152">
-                                            <p:txEl>
-                                              <p:pRg st="2" end="2"/>
-                                            </p:txEl>
-                                          </p:spTgt>
-                                        </p:tgtEl>
-                                        <p:attrNameLst>
-                                          <p:attrName>style.visibility</p:attrName>
-                                        </p:attrNameLst>
-                                      </p:cBhvr>
-                                      <p:to>
-                                        <p:strVal val="visible"/>
-                                      </p:to>
-                                    </p:set>
-                                    <p:animEffect transition="in" filter="fade">
-                                      <p:cBhvr>
-                                        <p:cTn id="17" dur="1000"/>
-                                        <p:tgtEl>
-                                          <p:spTgt spid="152">
-                                            <p:txEl>
-                                              <p:pRg st="2" end="2"/>
-                                            </p:txEl>
-                                          </p:spTgt>
-                                        </p:tgtEl>
-                                      </p:cBhvr>
-                                    </p:animEffect>
-                                  </p:childTnLst>
-                                </p:cTn>
-                              </p:par>
-                            </p:childTnLst>
-                          </p:cTn>
-                        </p:par>
-                      </p:childTnLst>
-                    </p:cTn>
-                  </p:par>
-                  <p:par>
-                    <p:cTn id="18" fill="hold">
-                      <p:stCondLst>
-                        <p:cond delay="indefinite"/>
-                      </p:stCondLst>
-                      <p:childTnLst>
-                        <p:par>
-                          <p:cTn id="19" fill="hold">
-                            <p:stCondLst>
-                              <p:cond delay="0"/>
-                            </p:stCondLst>
-                            <p:childTnLst>
-                              <p:par>
-                                <p:cTn id="20" presetID="10" presetClass="entr" presetSubtype="0" fill="hold" nodeType="clickEffect">
-                                  <p:stCondLst>
-                                    <p:cond delay="0"/>
-                                  </p:stCondLst>
-                                  <p:childTnLst>
-                                    <p:set>
-                                      <p:cBhvr>
-                                        <p:cTn id="21" dur="1" fill="hold">
-                                          <p:stCondLst>
-                                            <p:cond delay="0"/>
-                                          </p:stCondLst>
-                                        </p:cTn>
-                                        <p:tgtEl>
-                                          <p:spTgt spid="152">
-                                            <p:txEl>
-                                              <p:pRg st="3" end="3"/>
-                                            </p:txEl>
-                                          </p:spTgt>
-                                        </p:tgtEl>
-                                        <p:attrNameLst>
-                                          <p:attrName>style.visibility</p:attrName>
-                                        </p:attrNameLst>
-                                      </p:cBhvr>
-                                      <p:to>
-                                        <p:strVal val="visible"/>
-                                      </p:to>
-                                    </p:set>
-                                    <p:animEffect transition="in" filter="fade">
-                                      <p:cBhvr>
-                                        <p:cTn id="22" dur="1000"/>
-                                        <p:tgtEl>
-                                          <p:spTgt spid="152">
-                                            <p:txEl>
-                                              <p:pRg st="3" end="3"/>
-                                            </p:txEl>
-                                          </p:spTgt>
-                                        </p:tgtEl>
-                                      </p:cBhvr>
-                                    </p:animEffect>
-                                  </p:childTnLst>
-                                </p:cTn>
-                              </p:par>
-                            </p:childTnLst>
-                          </p:cTn>
-                        </p:par>
-                      </p:childTnLst>
-                    </p:cTn>
-                  </p:par>
-                  <p:par>
-                    <p:cTn id="23" fill="hold">
-                      <p:stCondLst>
-                        <p:cond delay="indefinite"/>
-                      </p:stCondLst>
-                      <p:childTnLst>
-                        <p:par>
-                          <p:cTn id="24" fill="hold">
-                            <p:stCondLst>
-                              <p:cond delay="0"/>
-                            </p:stCondLst>
-                            <p:childTnLst>
-                              <p:par>
-                                <p:cTn id="25" presetID="10" presetClass="entr" presetSubtype="0" fill="hold" nodeType="clickEffect">
-                                  <p:stCondLst>
-                                    <p:cond delay="0"/>
-                                  </p:stCondLst>
-                                  <p:childTnLst>
-                                    <p:set>
-                                      <p:cBhvr>
-                                        <p:cTn id="26" dur="1" fill="hold">
-                                          <p:stCondLst>
-                                            <p:cond delay="0"/>
-                                          </p:stCondLst>
-                                        </p:cTn>
-                                        <p:tgtEl>
-                                          <p:spTgt spid="152">
-                                            <p:txEl>
-                                              <p:pRg st="4" end="4"/>
-                                            </p:txEl>
-                                          </p:spTgt>
-                                        </p:tgtEl>
-                                        <p:attrNameLst>
-                                          <p:attrName>style.visibility</p:attrName>
-                                        </p:attrNameLst>
-                                      </p:cBhvr>
-                                      <p:to>
-                                        <p:strVal val="visible"/>
-                                      </p:to>
-                                    </p:set>
-                                    <p:animEffect transition="in" filter="fade">
-                                      <p:cBhvr>
-                                        <p:cTn id="27" dur="1000"/>
-                                        <p:tgtEl>
-                                          <p:spTgt spid="152">
-                                            <p:txEl>
-                                              <p:pRg st="4" end="4"/>
-                                            </p:txEl>
-                                          </p:spTgt>
-                                        </p:tgtEl>
-                                      </p:cBhvr>
-                                    </p:animEffect>
-                                  </p:childTnLst>
-                                </p:cTn>
-                              </p:par>
-                            </p:childTnLst>
-                          </p:cTn>
-                        </p:par>
-                      </p:childTnLst>
-                    </p:cTn>
-                  </p:par>
-                </p:childTnLst>
-              </p:cTn>
-              <p:prevCondLst>
-                <p:cond evt="onPrev" delay="0">
-                  <p:tgtEl>
-                    <p:sldTgt/>
-                  </p:tgtEl>
-                </p:cond>
-              </p:prevCondLst>
-              <p:nextCondLst>
-                <p:cond evt="onNext" delay="0">
-                  <p:tgtEl>
-                    <p:sldTgt/>
-                  </p:tgtEl>
-                </p:cond>
-              </p:nextCondLst>
-            </p:seq>
-          </p:childTnLst>
-        </p:cTn>
-      </p:par>
-    </p:tnLst>
-  </p:timing>
 </p:sld>
 </file>
 
@@ -14235,7 +13914,7 @@
               <a:buChar char="•"/>
             </a:pPr>
             <a:r>
-              <a:rPr lang="en" sz="2400">
+              <a:rPr lang="en" sz="2400" dirty="0">
                 <a:solidFill>
                   <a:srgbClr val="000000"/>
                 </a:solidFill>
@@ -14259,7 +13938,7 @@
               <a:buChar char="•"/>
             </a:pPr>
             <a:r>
-              <a:rPr lang="en" sz="2400">
+              <a:rPr lang="en" sz="2400" dirty="0">
                 <a:solidFill>
                   <a:srgbClr val="000000"/>
                 </a:solidFill>
@@ -14283,7 +13962,7 @@
               <a:buChar char="•"/>
             </a:pPr>
             <a:r>
-              <a:rPr lang="en" sz="2400">
+              <a:rPr lang="en" sz="2400" dirty="0">
                 <a:solidFill>
                   <a:srgbClr val="000000"/>
                 </a:solidFill>
@@ -14307,7 +13986,7 @@
               <a:buChar char="•"/>
             </a:pPr>
             <a:r>
-              <a:rPr lang="en" sz="2400">
+              <a:rPr lang="en" sz="2400" dirty="0">
                 <a:solidFill>
                   <a:srgbClr val="000000"/>
                 </a:solidFill>
@@ -14331,7 +14010,7 @@
               <a:buChar char="•"/>
             </a:pPr>
             <a:r>
-              <a:rPr lang="en" sz="2400" b="1">
+              <a:rPr lang="en" sz="2400" b="1" dirty="0">
                 <a:solidFill>
                   <a:srgbClr val="FF0000"/>
                 </a:solidFill>
@@ -14339,7 +14018,7 @@
               <a:t>DON'T DO IT:</a:t>
             </a:r>
             <a:r>
-              <a:rPr lang="en" sz="2400">
+              <a:rPr lang="en" sz="2400" dirty="0">
                 <a:solidFill>
                   <a:srgbClr val="000000"/>
                 </a:solidFill>
@@ -14347,7 +14026,7 @@
               <a:t> you </a:t>
             </a:r>
             <a:r>
-              <a:rPr lang="en" sz="2400" b="1">
+              <a:rPr lang="en" sz="2400" b="1" dirty="0">
                 <a:solidFill>
                   <a:srgbClr val="FF0000"/>
                 </a:solidFill>
@@ -14355,7 +14034,7 @@
               <a:t>WILL</a:t>
             </a:r>
             <a:r>
-              <a:rPr lang="en" sz="2400">
+              <a:rPr lang="en" sz="2400" dirty="0">
                 <a:solidFill>
                   <a:srgbClr val="000000"/>
                 </a:solidFill>
@@ -14364,14 +14043,14 @@
             </a:r>
           </a:p>
           <a:p>
-            <a:endParaRPr lang="en" sz="2400">
+            <a:endParaRPr lang="en" sz="2400" dirty="0">
               <a:solidFill>
                 <a:srgbClr val="000000"/>
               </a:solidFill>
             </a:endParaRPr>
           </a:p>
           <a:p>
-            <a:endParaRPr lang="en" sz="2400">
+            <a:endParaRPr lang="en" sz="2400" dirty="0">
               <a:solidFill>
                 <a:srgbClr val="000000"/>
               </a:solidFill>

--- a/Slides/Lesson 0.3 Academic Honesty.pptx
+++ b/Slides/Lesson 0.3 Academic Honesty.pptx
@@ -10837,30 +10837,32 @@
           <a:prstGeom prst="rect">
             <a:avLst/>
           </a:prstGeom>
-          <a:noFill/>
-          <a:ln>
-            <a:noFill/>
+          <a:ln w="28575">
+            <a:solidFill>
+              <a:schemeClr val="accent1"/>
+            </a:solidFill>
           </a:ln>
         </p:spPr>
         <p:txBody>
-          <a:bodyPr lIns="91425" tIns="45700" rIns="91425" bIns="45700" anchor="ctr" anchorCtr="0">
-            <a:noAutofit/>
+          <a:bodyPr vert="horz" lIns="91440" tIns="45720" rIns="91440" bIns="45720" rtlCol="0" anchor="ctr">
+            <a:normAutofit/>
           </a:bodyPr>
           <a:lstStyle/>
           <a:p>
-            <a:pPr marL="0" marR="0" lvl="0" indent="0" algn="ctr" rtl="0">
+            <a:pPr>
               <a:spcBef>
-                <a:spcPts val="0"/>
+                <a:spcPct val="0"/>
               </a:spcBef>
-              <a:buClr>
-                <a:schemeClr val="dk1"/>
-              </a:buClr>
-              <a:buSzPct val="25000"/>
-              <a:buFont typeface="Calibri"/>
-              <a:buNone/>
             </a:pPr>
             <a:r>
-              <a:rPr lang="en"/>
+              <a:rPr lang="en" kern="1200">
+                <a:solidFill>
+                  <a:schemeClr val="tx1"/>
+                </a:solidFill>
+                <a:latin typeface="+mj-lt"/>
+                <a:ea typeface="+mj-ea"/>
+                <a:cs typeface="+mj-cs"/>
+              </a:rPr>
               <a:t>Academic Honesty</a:t>
             </a:r>
           </a:p>
